--- a/ppt 16-9/0672.来到祈祷山.pptx
+++ b/ppt 16-9/0672.来到祈祷山.pptx
@@ -5,7 +5,7 @@
     <p:sldMasterId id="2147483648" r:id="rId1"/>
   </p:sldMasterIdLst>
   <p:sldIdLst>
-    <p:sldId id="2479" r:id="rId2"/>
+    <p:sldId id="2480" r:id="rId2"/>
   </p:sldIdLst>
   <p:sldSz cx="12192000" cy="6858000"/>
   <p:notesSz cx="6858000" cy="9144000"/>
@@ -129,7 +129,7 @@
           <p:cNvPr id="2" name="标题 1">
             <a:extLst>
               <a:ext uri="{FF2B5EF4-FFF2-40B4-BE49-F238E27FC236}">
-                <a16:creationId xmlns:a16="http://schemas.microsoft.com/office/drawing/2014/main" id="{63640C66-DE54-D38D-F9A4-9119FC452ABB}"/>
+                <a16:creationId xmlns:a16="http://schemas.microsoft.com/office/drawing/2014/main" id="{D2A5C798-36C8-C143-C71A-22DB82D92D00}"/>
               </a:ext>
             </a:extLst>
           </p:cNvPr>
@@ -166,7 +166,7 @@
           <p:cNvPr id="3" name="副标题 2">
             <a:extLst>
               <a:ext uri="{FF2B5EF4-FFF2-40B4-BE49-F238E27FC236}">
-                <a16:creationId xmlns:a16="http://schemas.microsoft.com/office/drawing/2014/main" id="{780A6347-3ADA-67F2-3470-ACEEA101BF64}"/>
+                <a16:creationId xmlns:a16="http://schemas.microsoft.com/office/drawing/2014/main" id="{F2EABD6B-49D9-BDD2-4E33-5E004B895711}"/>
               </a:ext>
             </a:extLst>
           </p:cNvPr>
@@ -236,7 +236,7 @@
           <p:cNvPr id="4" name="日期占位符 3">
             <a:extLst>
               <a:ext uri="{FF2B5EF4-FFF2-40B4-BE49-F238E27FC236}">
-                <a16:creationId xmlns:a16="http://schemas.microsoft.com/office/drawing/2014/main" id="{B0003FBA-C200-B426-B86E-0A51041DDA71}"/>
+                <a16:creationId xmlns:a16="http://schemas.microsoft.com/office/drawing/2014/main" id="{2D8F46AE-6A5C-71B6-F9D4-248824FAEA87}"/>
               </a:ext>
             </a:extLst>
           </p:cNvPr>
@@ -252,7 +252,7 @@
           <a:bodyPr/>
           <a:lstStyle/>
           <a:p>
-            <a:fld id="{4518C6A9-0B59-483F-8A88-DAF46614C81C}" type="datetimeFigureOut">
+            <a:fld id="{901CF3F0-1651-4F53-A110-97524048F441}" type="datetimeFigureOut">
               <a:rPr lang="zh-CN" altLang="en-US" smtClean="0"/>
               <a:t>2024/3/10</a:t>
             </a:fld>
@@ -265,7 +265,7 @@
           <p:cNvPr id="5" name="页脚占位符 4">
             <a:extLst>
               <a:ext uri="{FF2B5EF4-FFF2-40B4-BE49-F238E27FC236}">
-                <a16:creationId xmlns:a16="http://schemas.microsoft.com/office/drawing/2014/main" id="{34334A99-82B8-B03E-BDDF-ADFD94807A17}"/>
+                <a16:creationId xmlns:a16="http://schemas.microsoft.com/office/drawing/2014/main" id="{52757CB8-FCDD-C882-0584-A307FE5ECD3D}"/>
               </a:ext>
             </a:extLst>
           </p:cNvPr>
@@ -290,7 +290,7 @@
           <p:cNvPr id="6" name="灯片编号占位符 5">
             <a:extLst>
               <a:ext uri="{FF2B5EF4-FFF2-40B4-BE49-F238E27FC236}">
-                <a16:creationId xmlns:a16="http://schemas.microsoft.com/office/drawing/2014/main" id="{AD24CAF4-0686-8FB3-DB69-8DAE5E658210}"/>
+                <a16:creationId xmlns:a16="http://schemas.microsoft.com/office/drawing/2014/main" id="{B9FC34B3-27BE-E3DB-5EC9-E414EAC5F4EC}"/>
               </a:ext>
             </a:extLst>
           </p:cNvPr>
@@ -306,7 +306,7 @@
           <a:bodyPr/>
           <a:lstStyle/>
           <a:p>
-            <a:fld id="{7EAB6F6E-60D5-43C6-B9C4-36B90793231A}" type="slidenum">
+            <a:fld id="{C6BC89DB-E0EE-4096-B8F5-1185284914F9}" type="slidenum">
               <a:rPr lang="zh-CN" altLang="en-US" smtClean="0"/>
               <a:t>‹#›</a:t>
             </a:fld>
@@ -317,7 +317,7 @@
     </p:spTree>
     <p:extLst>
       <p:ext uri="{BB962C8B-B14F-4D97-AF65-F5344CB8AC3E}">
-        <p14:creationId xmlns:p14="http://schemas.microsoft.com/office/powerpoint/2010/main" val="2919279305"/>
+        <p14:creationId xmlns:p14="http://schemas.microsoft.com/office/powerpoint/2010/main" val="3500110390"/>
       </p:ext>
     </p:extLst>
   </p:cSld>
@@ -349,7 +349,7 @@
           <p:cNvPr id="2" name="标题 1">
             <a:extLst>
               <a:ext uri="{FF2B5EF4-FFF2-40B4-BE49-F238E27FC236}">
-                <a16:creationId xmlns:a16="http://schemas.microsoft.com/office/drawing/2014/main" id="{810C1C64-FDA2-A096-0B4D-AD6B8B455BDD}"/>
+                <a16:creationId xmlns:a16="http://schemas.microsoft.com/office/drawing/2014/main" id="{F94A6F32-2BC0-05A3-FFA9-1566D65D372B}"/>
               </a:ext>
             </a:extLst>
           </p:cNvPr>
@@ -377,7 +377,7 @@
           <p:cNvPr id="3" name="竖排文字占位符 2">
             <a:extLst>
               <a:ext uri="{FF2B5EF4-FFF2-40B4-BE49-F238E27FC236}">
-                <a16:creationId xmlns:a16="http://schemas.microsoft.com/office/drawing/2014/main" id="{2EA4B24B-0141-1DC1-5D98-749E50F439A9}"/>
+                <a16:creationId xmlns:a16="http://schemas.microsoft.com/office/drawing/2014/main" id="{E404C3B3-DA8E-18F1-9946-C8D9F6EDDF54}"/>
               </a:ext>
             </a:extLst>
           </p:cNvPr>
@@ -434,7 +434,7 @@
           <p:cNvPr id="4" name="日期占位符 3">
             <a:extLst>
               <a:ext uri="{FF2B5EF4-FFF2-40B4-BE49-F238E27FC236}">
-                <a16:creationId xmlns:a16="http://schemas.microsoft.com/office/drawing/2014/main" id="{838D8DF4-ABA7-C454-1A29-6D266CAC51DE}"/>
+                <a16:creationId xmlns:a16="http://schemas.microsoft.com/office/drawing/2014/main" id="{0691246C-CC83-F5F8-2CA7-196FE64426BB}"/>
               </a:ext>
             </a:extLst>
           </p:cNvPr>
@@ -450,7 +450,7 @@
           <a:bodyPr/>
           <a:lstStyle/>
           <a:p>
-            <a:fld id="{4518C6A9-0B59-483F-8A88-DAF46614C81C}" type="datetimeFigureOut">
+            <a:fld id="{901CF3F0-1651-4F53-A110-97524048F441}" type="datetimeFigureOut">
               <a:rPr lang="zh-CN" altLang="en-US" smtClean="0"/>
               <a:t>2024/3/10</a:t>
             </a:fld>
@@ -463,7 +463,7 @@
           <p:cNvPr id="5" name="页脚占位符 4">
             <a:extLst>
               <a:ext uri="{FF2B5EF4-FFF2-40B4-BE49-F238E27FC236}">
-                <a16:creationId xmlns:a16="http://schemas.microsoft.com/office/drawing/2014/main" id="{3AE4918D-DDB1-920A-5FF6-5D0FB7F6B015}"/>
+                <a16:creationId xmlns:a16="http://schemas.microsoft.com/office/drawing/2014/main" id="{83B58093-250F-666F-9786-D9801E849D97}"/>
               </a:ext>
             </a:extLst>
           </p:cNvPr>
@@ -488,7 +488,7 @@
           <p:cNvPr id="6" name="灯片编号占位符 5">
             <a:extLst>
               <a:ext uri="{FF2B5EF4-FFF2-40B4-BE49-F238E27FC236}">
-                <a16:creationId xmlns:a16="http://schemas.microsoft.com/office/drawing/2014/main" id="{722044F2-F409-C438-56A6-C2E4FD461AB4}"/>
+                <a16:creationId xmlns:a16="http://schemas.microsoft.com/office/drawing/2014/main" id="{85273AA6-5701-8A11-E721-7B76CFBF773B}"/>
               </a:ext>
             </a:extLst>
           </p:cNvPr>
@@ -504,7 +504,7 @@
           <a:bodyPr/>
           <a:lstStyle/>
           <a:p>
-            <a:fld id="{7EAB6F6E-60D5-43C6-B9C4-36B90793231A}" type="slidenum">
+            <a:fld id="{C6BC89DB-E0EE-4096-B8F5-1185284914F9}" type="slidenum">
               <a:rPr lang="zh-CN" altLang="en-US" smtClean="0"/>
               <a:t>‹#›</a:t>
             </a:fld>
@@ -515,7 +515,7 @@
     </p:spTree>
     <p:extLst>
       <p:ext uri="{BB962C8B-B14F-4D97-AF65-F5344CB8AC3E}">
-        <p14:creationId xmlns:p14="http://schemas.microsoft.com/office/powerpoint/2010/main" val="1607914208"/>
+        <p14:creationId xmlns:p14="http://schemas.microsoft.com/office/powerpoint/2010/main" val="717413805"/>
       </p:ext>
     </p:extLst>
   </p:cSld>
@@ -547,7 +547,7 @@
           <p:cNvPr id="2" name="竖排标题 1">
             <a:extLst>
               <a:ext uri="{FF2B5EF4-FFF2-40B4-BE49-F238E27FC236}">
-                <a16:creationId xmlns:a16="http://schemas.microsoft.com/office/drawing/2014/main" id="{BF0877C6-0CCA-C0CE-3E75-9081234A9ED3}"/>
+                <a16:creationId xmlns:a16="http://schemas.microsoft.com/office/drawing/2014/main" id="{E6EE85F6-9F3B-3B07-CC1F-D3E317F2CC27}"/>
               </a:ext>
             </a:extLst>
           </p:cNvPr>
@@ -580,7 +580,7 @@
           <p:cNvPr id="3" name="竖排文字占位符 2">
             <a:extLst>
               <a:ext uri="{FF2B5EF4-FFF2-40B4-BE49-F238E27FC236}">
-                <a16:creationId xmlns:a16="http://schemas.microsoft.com/office/drawing/2014/main" id="{1F4E4E58-9EEB-42E0-77E7-B3E2A6524495}"/>
+                <a16:creationId xmlns:a16="http://schemas.microsoft.com/office/drawing/2014/main" id="{E92F9B87-0577-DD6B-D876-A2FC2005E474}"/>
               </a:ext>
             </a:extLst>
           </p:cNvPr>
@@ -642,7 +642,7 @@
           <p:cNvPr id="4" name="日期占位符 3">
             <a:extLst>
               <a:ext uri="{FF2B5EF4-FFF2-40B4-BE49-F238E27FC236}">
-                <a16:creationId xmlns:a16="http://schemas.microsoft.com/office/drawing/2014/main" id="{FF231CFE-746D-55A6-3AB9-793C502D173A}"/>
+                <a16:creationId xmlns:a16="http://schemas.microsoft.com/office/drawing/2014/main" id="{8D811DDF-109F-9702-5758-AFB7F2C0F8DE}"/>
               </a:ext>
             </a:extLst>
           </p:cNvPr>
@@ -658,7 +658,7 @@
           <a:bodyPr/>
           <a:lstStyle/>
           <a:p>
-            <a:fld id="{4518C6A9-0B59-483F-8A88-DAF46614C81C}" type="datetimeFigureOut">
+            <a:fld id="{901CF3F0-1651-4F53-A110-97524048F441}" type="datetimeFigureOut">
               <a:rPr lang="zh-CN" altLang="en-US" smtClean="0"/>
               <a:t>2024/3/10</a:t>
             </a:fld>
@@ -671,7 +671,7 @@
           <p:cNvPr id="5" name="页脚占位符 4">
             <a:extLst>
               <a:ext uri="{FF2B5EF4-FFF2-40B4-BE49-F238E27FC236}">
-                <a16:creationId xmlns:a16="http://schemas.microsoft.com/office/drawing/2014/main" id="{009145E0-C6AE-C20E-9ACD-02C1FEFA66F7}"/>
+                <a16:creationId xmlns:a16="http://schemas.microsoft.com/office/drawing/2014/main" id="{91CF2A68-F0CB-7F2E-7C43-E82BFC9B7487}"/>
               </a:ext>
             </a:extLst>
           </p:cNvPr>
@@ -696,7 +696,7 @@
           <p:cNvPr id="6" name="灯片编号占位符 5">
             <a:extLst>
               <a:ext uri="{FF2B5EF4-FFF2-40B4-BE49-F238E27FC236}">
-                <a16:creationId xmlns:a16="http://schemas.microsoft.com/office/drawing/2014/main" id="{27C291BD-D189-F5A4-CF95-95A4FDA8A052}"/>
+                <a16:creationId xmlns:a16="http://schemas.microsoft.com/office/drawing/2014/main" id="{742E5F8E-568D-59EA-F364-727209515835}"/>
               </a:ext>
             </a:extLst>
           </p:cNvPr>
@@ -712,7 +712,7 @@
           <a:bodyPr/>
           <a:lstStyle/>
           <a:p>
-            <a:fld id="{7EAB6F6E-60D5-43C6-B9C4-36B90793231A}" type="slidenum">
+            <a:fld id="{C6BC89DB-E0EE-4096-B8F5-1185284914F9}" type="slidenum">
               <a:rPr lang="zh-CN" altLang="en-US" smtClean="0"/>
               <a:t>‹#›</a:t>
             </a:fld>
@@ -723,7 +723,7 @@
     </p:spTree>
     <p:extLst>
       <p:ext uri="{BB962C8B-B14F-4D97-AF65-F5344CB8AC3E}">
-        <p14:creationId xmlns:p14="http://schemas.microsoft.com/office/powerpoint/2010/main" val="3614077802"/>
+        <p14:creationId xmlns:p14="http://schemas.microsoft.com/office/powerpoint/2010/main" val="816121660"/>
       </p:ext>
     </p:extLst>
   </p:cSld>
@@ -755,7 +755,7 @@
           <p:cNvPr id="2" name="标题 1">
             <a:extLst>
               <a:ext uri="{FF2B5EF4-FFF2-40B4-BE49-F238E27FC236}">
-                <a16:creationId xmlns:a16="http://schemas.microsoft.com/office/drawing/2014/main" id="{4CEB59F3-7BE0-07F5-5ECD-CFBB2DF240E0}"/>
+                <a16:creationId xmlns:a16="http://schemas.microsoft.com/office/drawing/2014/main" id="{0A39A665-C2A2-87FF-6B11-BFA75484B216}"/>
               </a:ext>
             </a:extLst>
           </p:cNvPr>
@@ -783,7 +783,7 @@
           <p:cNvPr id="3" name="内容占位符 2">
             <a:extLst>
               <a:ext uri="{FF2B5EF4-FFF2-40B4-BE49-F238E27FC236}">
-                <a16:creationId xmlns:a16="http://schemas.microsoft.com/office/drawing/2014/main" id="{568A24F2-9E74-BF43-51B1-3DE4B7A93D0C}"/>
+                <a16:creationId xmlns:a16="http://schemas.microsoft.com/office/drawing/2014/main" id="{B46FCBC1-128C-537F-D8F3-E7F183131A11}"/>
               </a:ext>
             </a:extLst>
           </p:cNvPr>
@@ -840,7 +840,7 @@
           <p:cNvPr id="4" name="日期占位符 3">
             <a:extLst>
               <a:ext uri="{FF2B5EF4-FFF2-40B4-BE49-F238E27FC236}">
-                <a16:creationId xmlns:a16="http://schemas.microsoft.com/office/drawing/2014/main" id="{B4FC035F-44DC-589A-22E3-5F8A759BE0B8}"/>
+                <a16:creationId xmlns:a16="http://schemas.microsoft.com/office/drawing/2014/main" id="{CC560F5F-C6B8-C2D2-2776-E7BA46B241A0}"/>
               </a:ext>
             </a:extLst>
           </p:cNvPr>
@@ -856,7 +856,7 @@
           <a:bodyPr/>
           <a:lstStyle/>
           <a:p>
-            <a:fld id="{4518C6A9-0B59-483F-8A88-DAF46614C81C}" type="datetimeFigureOut">
+            <a:fld id="{901CF3F0-1651-4F53-A110-97524048F441}" type="datetimeFigureOut">
               <a:rPr lang="zh-CN" altLang="en-US" smtClean="0"/>
               <a:t>2024/3/10</a:t>
             </a:fld>
@@ -869,7 +869,7 @@
           <p:cNvPr id="5" name="页脚占位符 4">
             <a:extLst>
               <a:ext uri="{FF2B5EF4-FFF2-40B4-BE49-F238E27FC236}">
-                <a16:creationId xmlns:a16="http://schemas.microsoft.com/office/drawing/2014/main" id="{5EC2857C-3DDB-8BE1-9A00-EBDED4B2AFA0}"/>
+                <a16:creationId xmlns:a16="http://schemas.microsoft.com/office/drawing/2014/main" id="{BB6CE5F5-F17E-09EB-8CD5-A40D8AC91168}"/>
               </a:ext>
             </a:extLst>
           </p:cNvPr>
@@ -894,7 +894,7 @@
           <p:cNvPr id="6" name="灯片编号占位符 5">
             <a:extLst>
               <a:ext uri="{FF2B5EF4-FFF2-40B4-BE49-F238E27FC236}">
-                <a16:creationId xmlns:a16="http://schemas.microsoft.com/office/drawing/2014/main" id="{77BEB651-178B-A03D-D532-3773DADB745A}"/>
+                <a16:creationId xmlns:a16="http://schemas.microsoft.com/office/drawing/2014/main" id="{9DF042C2-C064-7681-30E5-3526231B1F1C}"/>
               </a:ext>
             </a:extLst>
           </p:cNvPr>
@@ -910,7 +910,7 @@
           <a:bodyPr/>
           <a:lstStyle/>
           <a:p>
-            <a:fld id="{7EAB6F6E-60D5-43C6-B9C4-36B90793231A}" type="slidenum">
+            <a:fld id="{C6BC89DB-E0EE-4096-B8F5-1185284914F9}" type="slidenum">
               <a:rPr lang="zh-CN" altLang="en-US" smtClean="0"/>
               <a:t>‹#›</a:t>
             </a:fld>
@@ -921,7 +921,7 @@
     </p:spTree>
     <p:extLst>
       <p:ext uri="{BB962C8B-B14F-4D97-AF65-F5344CB8AC3E}">
-        <p14:creationId xmlns:p14="http://schemas.microsoft.com/office/powerpoint/2010/main" val="2227357741"/>
+        <p14:creationId xmlns:p14="http://schemas.microsoft.com/office/powerpoint/2010/main" val="2700096565"/>
       </p:ext>
     </p:extLst>
   </p:cSld>
@@ -953,7 +953,7 @@
           <p:cNvPr id="2" name="标题 1">
             <a:extLst>
               <a:ext uri="{FF2B5EF4-FFF2-40B4-BE49-F238E27FC236}">
-                <a16:creationId xmlns:a16="http://schemas.microsoft.com/office/drawing/2014/main" id="{6D43A7B3-1B5A-9CEB-FFEE-5F7D87B950D9}"/>
+                <a16:creationId xmlns:a16="http://schemas.microsoft.com/office/drawing/2014/main" id="{329EDC90-CD65-5A3A-B220-AD0CEA4F581E}"/>
               </a:ext>
             </a:extLst>
           </p:cNvPr>
@@ -990,7 +990,7 @@
           <p:cNvPr id="3" name="文本占位符 2">
             <a:extLst>
               <a:ext uri="{FF2B5EF4-FFF2-40B4-BE49-F238E27FC236}">
-                <a16:creationId xmlns:a16="http://schemas.microsoft.com/office/drawing/2014/main" id="{C39598E3-797D-FF94-B733-5270842B8900}"/>
+                <a16:creationId xmlns:a16="http://schemas.microsoft.com/office/drawing/2014/main" id="{47D5AFB2-8674-7E71-DC1E-0B190BAC1079}"/>
               </a:ext>
             </a:extLst>
           </p:cNvPr>
@@ -1115,7 +1115,7 @@
           <p:cNvPr id="4" name="日期占位符 3">
             <a:extLst>
               <a:ext uri="{FF2B5EF4-FFF2-40B4-BE49-F238E27FC236}">
-                <a16:creationId xmlns:a16="http://schemas.microsoft.com/office/drawing/2014/main" id="{3309BE3C-237A-7823-1080-F291723033A5}"/>
+                <a16:creationId xmlns:a16="http://schemas.microsoft.com/office/drawing/2014/main" id="{0FEDDFF4-E828-729B-99C9-E2E84072F2FA}"/>
               </a:ext>
             </a:extLst>
           </p:cNvPr>
@@ -1131,7 +1131,7 @@
           <a:bodyPr/>
           <a:lstStyle/>
           <a:p>
-            <a:fld id="{4518C6A9-0B59-483F-8A88-DAF46614C81C}" type="datetimeFigureOut">
+            <a:fld id="{901CF3F0-1651-4F53-A110-97524048F441}" type="datetimeFigureOut">
               <a:rPr lang="zh-CN" altLang="en-US" smtClean="0"/>
               <a:t>2024/3/10</a:t>
             </a:fld>
@@ -1144,7 +1144,7 @@
           <p:cNvPr id="5" name="页脚占位符 4">
             <a:extLst>
               <a:ext uri="{FF2B5EF4-FFF2-40B4-BE49-F238E27FC236}">
-                <a16:creationId xmlns:a16="http://schemas.microsoft.com/office/drawing/2014/main" id="{73E048B3-E4A4-79EB-9D28-283A4F6612B5}"/>
+                <a16:creationId xmlns:a16="http://schemas.microsoft.com/office/drawing/2014/main" id="{EB95653B-A1E0-150F-91AE-EB06AAA154BC}"/>
               </a:ext>
             </a:extLst>
           </p:cNvPr>
@@ -1169,7 +1169,7 @@
           <p:cNvPr id="6" name="灯片编号占位符 5">
             <a:extLst>
               <a:ext uri="{FF2B5EF4-FFF2-40B4-BE49-F238E27FC236}">
-                <a16:creationId xmlns:a16="http://schemas.microsoft.com/office/drawing/2014/main" id="{155442D3-B0F8-9A4E-4A00-6FD8F37FC759}"/>
+                <a16:creationId xmlns:a16="http://schemas.microsoft.com/office/drawing/2014/main" id="{D01EF6A1-A3F4-916A-045D-FDEDCF4EF5E0}"/>
               </a:ext>
             </a:extLst>
           </p:cNvPr>
@@ -1185,7 +1185,7 @@
           <a:bodyPr/>
           <a:lstStyle/>
           <a:p>
-            <a:fld id="{7EAB6F6E-60D5-43C6-B9C4-36B90793231A}" type="slidenum">
+            <a:fld id="{C6BC89DB-E0EE-4096-B8F5-1185284914F9}" type="slidenum">
               <a:rPr lang="zh-CN" altLang="en-US" smtClean="0"/>
               <a:t>‹#›</a:t>
             </a:fld>
@@ -1196,7 +1196,7 @@
     </p:spTree>
     <p:extLst>
       <p:ext uri="{BB962C8B-B14F-4D97-AF65-F5344CB8AC3E}">
-        <p14:creationId xmlns:p14="http://schemas.microsoft.com/office/powerpoint/2010/main" val="3142136151"/>
+        <p14:creationId xmlns:p14="http://schemas.microsoft.com/office/powerpoint/2010/main" val="487733901"/>
       </p:ext>
     </p:extLst>
   </p:cSld>
@@ -1228,7 +1228,7 @@
           <p:cNvPr id="2" name="标题 1">
             <a:extLst>
               <a:ext uri="{FF2B5EF4-FFF2-40B4-BE49-F238E27FC236}">
-                <a16:creationId xmlns:a16="http://schemas.microsoft.com/office/drawing/2014/main" id="{A5936E96-36DC-8CAC-04AD-D524936F4F2B}"/>
+                <a16:creationId xmlns:a16="http://schemas.microsoft.com/office/drawing/2014/main" id="{1E0C3081-C2D6-7E59-AF74-7914D2761E7B}"/>
               </a:ext>
             </a:extLst>
           </p:cNvPr>
@@ -1256,7 +1256,7 @@
           <p:cNvPr id="3" name="内容占位符 2">
             <a:extLst>
               <a:ext uri="{FF2B5EF4-FFF2-40B4-BE49-F238E27FC236}">
-                <a16:creationId xmlns:a16="http://schemas.microsoft.com/office/drawing/2014/main" id="{B1B11393-F07A-6282-5279-E19B1EBB902B}"/>
+                <a16:creationId xmlns:a16="http://schemas.microsoft.com/office/drawing/2014/main" id="{6F9EAA0F-4DAA-222E-66F9-68ED76CD58CB}"/>
               </a:ext>
             </a:extLst>
           </p:cNvPr>
@@ -1318,7 +1318,7 @@
           <p:cNvPr id="4" name="内容占位符 3">
             <a:extLst>
               <a:ext uri="{FF2B5EF4-FFF2-40B4-BE49-F238E27FC236}">
-                <a16:creationId xmlns:a16="http://schemas.microsoft.com/office/drawing/2014/main" id="{ACC8391C-DDEE-3616-3697-42C84FD4C7D1}"/>
+                <a16:creationId xmlns:a16="http://schemas.microsoft.com/office/drawing/2014/main" id="{519CC63F-34F1-D7F1-259F-0E22DDA9C854}"/>
               </a:ext>
             </a:extLst>
           </p:cNvPr>
@@ -1380,7 +1380,7 @@
           <p:cNvPr id="5" name="日期占位符 4">
             <a:extLst>
               <a:ext uri="{FF2B5EF4-FFF2-40B4-BE49-F238E27FC236}">
-                <a16:creationId xmlns:a16="http://schemas.microsoft.com/office/drawing/2014/main" id="{E1395EBB-8DA3-3E8F-4ADC-DDB14B63EC54}"/>
+                <a16:creationId xmlns:a16="http://schemas.microsoft.com/office/drawing/2014/main" id="{62C982DE-894D-9119-3B4A-A3630EB5B667}"/>
               </a:ext>
             </a:extLst>
           </p:cNvPr>
@@ -1396,7 +1396,7 @@
           <a:bodyPr/>
           <a:lstStyle/>
           <a:p>
-            <a:fld id="{4518C6A9-0B59-483F-8A88-DAF46614C81C}" type="datetimeFigureOut">
+            <a:fld id="{901CF3F0-1651-4F53-A110-97524048F441}" type="datetimeFigureOut">
               <a:rPr lang="zh-CN" altLang="en-US" smtClean="0"/>
               <a:t>2024/3/10</a:t>
             </a:fld>
@@ -1409,7 +1409,7 @@
           <p:cNvPr id="6" name="页脚占位符 5">
             <a:extLst>
               <a:ext uri="{FF2B5EF4-FFF2-40B4-BE49-F238E27FC236}">
-                <a16:creationId xmlns:a16="http://schemas.microsoft.com/office/drawing/2014/main" id="{2C831661-93C6-12A7-3C15-787158E049B0}"/>
+                <a16:creationId xmlns:a16="http://schemas.microsoft.com/office/drawing/2014/main" id="{D7BF342E-68CE-8537-F9B3-193B6DAE99B2}"/>
               </a:ext>
             </a:extLst>
           </p:cNvPr>
@@ -1434,7 +1434,7 @@
           <p:cNvPr id="7" name="灯片编号占位符 6">
             <a:extLst>
               <a:ext uri="{FF2B5EF4-FFF2-40B4-BE49-F238E27FC236}">
-                <a16:creationId xmlns:a16="http://schemas.microsoft.com/office/drawing/2014/main" id="{FD5F9783-999C-8668-6FC8-66244B975253}"/>
+                <a16:creationId xmlns:a16="http://schemas.microsoft.com/office/drawing/2014/main" id="{329F31F6-0349-C611-531A-5349F38A4A83}"/>
               </a:ext>
             </a:extLst>
           </p:cNvPr>
@@ -1450,7 +1450,7 @@
           <a:bodyPr/>
           <a:lstStyle/>
           <a:p>
-            <a:fld id="{7EAB6F6E-60D5-43C6-B9C4-36B90793231A}" type="slidenum">
+            <a:fld id="{C6BC89DB-E0EE-4096-B8F5-1185284914F9}" type="slidenum">
               <a:rPr lang="zh-CN" altLang="en-US" smtClean="0"/>
               <a:t>‹#›</a:t>
             </a:fld>
@@ -1461,7 +1461,7 @@
     </p:spTree>
     <p:extLst>
       <p:ext uri="{BB962C8B-B14F-4D97-AF65-F5344CB8AC3E}">
-        <p14:creationId xmlns:p14="http://schemas.microsoft.com/office/powerpoint/2010/main" val="1016852182"/>
+        <p14:creationId xmlns:p14="http://schemas.microsoft.com/office/powerpoint/2010/main" val="3959462741"/>
       </p:ext>
     </p:extLst>
   </p:cSld>
@@ -1493,7 +1493,7 @@
           <p:cNvPr id="2" name="标题 1">
             <a:extLst>
               <a:ext uri="{FF2B5EF4-FFF2-40B4-BE49-F238E27FC236}">
-                <a16:creationId xmlns:a16="http://schemas.microsoft.com/office/drawing/2014/main" id="{C93D7878-9F38-EAA7-F422-91A780947768}"/>
+                <a16:creationId xmlns:a16="http://schemas.microsoft.com/office/drawing/2014/main" id="{C883B1A3-6C95-42AC-4E24-0B7B23C17746}"/>
               </a:ext>
             </a:extLst>
           </p:cNvPr>
@@ -1526,7 +1526,7 @@
           <p:cNvPr id="3" name="文本占位符 2">
             <a:extLst>
               <a:ext uri="{FF2B5EF4-FFF2-40B4-BE49-F238E27FC236}">
-                <a16:creationId xmlns:a16="http://schemas.microsoft.com/office/drawing/2014/main" id="{F8AD7BA1-8E51-2A1A-EBFD-2E7E9DA8D7F6}"/>
+                <a16:creationId xmlns:a16="http://schemas.microsoft.com/office/drawing/2014/main" id="{9342D66F-77BC-C30D-E299-6E51CCA55A2A}"/>
               </a:ext>
             </a:extLst>
           </p:cNvPr>
@@ -1597,7 +1597,7 @@
           <p:cNvPr id="4" name="内容占位符 3">
             <a:extLst>
               <a:ext uri="{FF2B5EF4-FFF2-40B4-BE49-F238E27FC236}">
-                <a16:creationId xmlns:a16="http://schemas.microsoft.com/office/drawing/2014/main" id="{86613AF7-3364-42A2-321B-F3CC568371C3}"/>
+                <a16:creationId xmlns:a16="http://schemas.microsoft.com/office/drawing/2014/main" id="{2F4B9BF7-1323-BEF0-BC5A-1636DF1FA53C}"/>
               </a:ext>
             </a:extLst>
           </p:cNvPr>
@@ -1659,7 +1659,7 @@
           <p:cNvPr id="5" name="文本占位符 4">
             <a:extLst>
               <a:ext uri="{FF2B5EF4-FFF2-40B4-BE49-F238E27FC236}">
-                <a16:creationId xmlns:a16="http://schemas.microsoft.com/office/drawing/2014/main" id="{5A554CCF-34F5-361F-EA6E-478793ED10F2}"/>
+                <a16:creationId xmlns:a16="http://schemas.microsoft.com/office/drawing/2014/main" id="{202CDFB4-0F1C-5FBC-D18E-D4AD6AE46869}"/>
               </a:ext>
             </a:extLst>
           </p:cNvPr>
@@ -1730,7 +1730,7 @@
           <p:cNvPr id="6" name="内容占位符 5">
             <a:extLst>
               <a:ext uri="{FF2B5EF4-FFF2-40B4-BE49-F238E27FC236}">
-                <a16:creationId xmlns:a16="http://schemas.microsoft.com/office/drawing/2014/main" id="{7493074A-6E41-BB22-778C-494AEC20FE07}"/>
+                <a16:creationId xmlns:a16="http://schemas.microsoft.com/office/drawing/2014/main" id="{5DDD779B-B825-C333-4877-F038CECC46A5}"/>
               </a:ext>
             </a:extLst>
           </p:cNvPr>
@@ -1792,7 +1792,7 @@
           <p:cNvPr id="7" name="日期占位符 6">
             <a:extLst>
               <a:ext uri="{FF2B5EF4-FFF2-40B4-BE49-F238E27FC236}">
-                <a16:creationId xmlns:a16="http://schemas.microsoft.com/office/drawing/2014/main" id="{A3B8A427-EBF2-8A1C-9285-A19887127D81}"/>
+                <a16:creationId xmlns:a16="http://schemas.microsoft.com/office/drawing/2014/main" id="{BA919593-657B-D157-7734-EB12144E452D}"/>
               </a:ext>
             </a:extLst>
           </p:cNvPr>
@@ -1808,7 +1808,7 @@
           <a:bodyPr/>
           <a:lstStyle/>
           <a:p>
-            <a:fld id="{4518C6A9-0B59-483F-8A88-DAF46614C81C}" type="datetimeFigureOut">
+            <a:fld id="{901CF3F0-1651-4F53-A110-97524048F441}" type="datetimeFigureOut">
               <a:rPr lang="zh-CN" altLang="en-US" smtClean="0"/>
               <a:t>2024/3/10</a:t>
             </a:fld>
@@ -1821,7 +1821,7 @@
           <p:cNvPr id="8" name="页脚占位符 7">
             <a:extLst>
               <a:ext uri="{FF2B5EF4-FFF2-40B4-BE49-F238E27FC236}">
-                <a16:creationId xmlns:a16="http://schemas.microsoft.com/office/drawing/2014/main" id="{4621B4EE-0652-7402-2C2A-65D28BB00070}"/>
+                <a16:creationId xmlns:a16="http://schemas.microsoft.com/office/drawing/2014/main" id="{8F1A56A5-CBD3-0475-1093-81D17A1721A9}"/>
               </a:ext>
             </a:extLst>
           </p:cNvPr>
@@ -1846,7 +1846,7 @@
           <p:cNvPr id="9" name="灯片编号占位符 8">
             <a:extLst>
               <a:ext uri="{FF2B5EF4-FFF2-40B4-BE49-F238E27FC236}">
-                <a16:creationId xmlns:a16="http://schemas.microsoft.com/office/drawing/2014/main" id="{087D836C-9393-E4B4-3472-B2F45E0280EE}"/>
+                <a16:creationId xmlns:a16="http://schemas.microsoft.com/office/drawing/2014/main" id="{2FD5E546-9FB9-293F-20C1-B2FB62FD903D}"/>
               </a:ext>
             </a:extLst>
           </p:cNvPr>
@@ -1862,7 +1862,7 @@
           <a:bodyPr/>
           <a:lstStyle/>
           <a:p>
-            <a:fld id="{7EAB6F6E-60D5-43C6-B9C4-36B90793231A}" type="slidenum">
+            <a:fld id="{C6BC89DB-E0EE-4096-B8F5-1185284914F9}" type="slidenum">
               <a:rPr lang="zh-CN" altLang="en-US" smtClean="0"/>
               <a:t>‹#›</a:t>
             </a:fld>
@@ -1873,7 +1873,7 @@
     </p:spTree>
     <p:extLst>
       <p:ext uri="{BB962C8B-B14F-4D97-AF65-F5344CB8AC3E}">
-        <p14:creationId xmlns:p14="http://schemas.microsoft.com/office/powerpoint/2010/main" val="313395627"/>
+        <p14:creationId xmlns:p14="http://schemas.microsoft.com/office/powerpoint/2010/main" val="3782082729"/>
       </p:ext>
     </p:extLst>
   </p:cSld>
@@ -1905,7 +1905,7 @@
           <p:cNvPr id="2" name="标题 1">
             <a:extLst>
               <a:ext uri="{FF2B5EF4-FFF2-40B4-BE49-F238E27FC236}">
-                <a16:creationId xmlns:a16="http://schemas.microsoft.com/office/drawing/2014/main" id="{081C4B03-2999-33AB-4E68-ECBD15D806B2}"/>
+                <a16:creationId xmlns:a16="http://schemas.microsoft.com/office/drawing/2014/main" id="{2416C3F2-02E3-6622-C8FD-CA99381D3DF3}"/>
               </a:ext>
             </a:extLst>
           </p:cNvPr>
@@ -1933,7 +1933,7 @@
           <p:cNvPr id="3" name="日期占位符 2">
             <a:extLst>
               <a:ext uri="{FF2B5EF4-FFF2-40B4-BE49-F238E27FC236}">
-                <a16:creationId xmlns:a16="http://schemas.microsoft.com/office/drawing/2014/main" id="{B930FC04-5D94-1B1D-3406-C70C6DFCC8CE}"/>
+                <a16:creationId xmlns:a16="http://schemas.microsoft.com/office/drawing/2014/main" id="{91B7681B-0FEA-0967-1019-BCF0FDA27804}"/>
               </a:ext>
             </a:extLst>
           </p:cNvPr>
@@ -1949,7 +1949,7 @@
           <a:bodyPr/>
           <a:lstStyle/>
           <a:p>
-            <a:fld id="{4518C6A9-0B59-483F-8A88-DAF46614C81C}" type="datetimeFigureOut">
+            <a:fld id="{901CF3F0-1651-4F53-A110-97524048F441}" type="datetimeFigureOut">
               <a:rPr lang="zh-CN" altLang="en-US" smtClean="0"/>
               <a:t>2024/3/10</a:t>
             </a:fld>
@@ -1962,7 +1962,7 @@
           <p:cNvPr id="4" name="页脚占位符 3">
             <a:extLst>
               <a:ext uri="{FF2B5EF4-FFF2-40B4-BE49-F238E27FC236}">
-                <a16:creationId xmlns:a16="http://schemas.microsoft.com/office/drawing/2014/main" id="{81ED8345-ACB7-D01F-DCDD-65567096E9DE}"/>
+                <a16:creationId xmlns:a16="http://schemas.microsoft.com/office/drawing/2014/main" id="{4979E9FD-F871-D79D-71FA-4E5BA4787800}"/>
               </a:ext>
             </a:extLst>
           </p:cNvPr>
@@ -1987,7 +1987,7 @@
           <p:cNvPr id="5" name="灯片编号占位符 4">
             <a:extLst>
               <a:ext uri="{FF2B5EF4-FFF2-40B4-BE49-F238E27FC236}">
-                <a16:creationId xmlns:a16="http://schemas.microsoft.com/office/drawing/2014/main" id="{702BCB6B-40B2-75D2-BF54-AA86B98E8E76}"/>
+                <a16:creationId xmlns:a16="http://schemas.microsoft.com/office/drawing/2014/main" id="{584666A1-31ED-DCEC-4B00-1C1B4E590746}"/>
               </a:ext>
             </a:extLst>
           </p:cNvPr>
@@ -2003,7 +2003,7 @@
           <a:bodyPr/>
           <a:lstStyle/>
           <a:p>
-            <a:fld id="{7EAB6F6E-60D5-43C6-B9C4-36B90793231A}" type="slidenum">
+            <a:fld id="{C6BC89DB-E0EE-4096-B8F5-1185284914F9}" type="slidenum">
               <a:rPr lang="zh-CN" altLang="en-US" smtClean="0"/>
               <a:t>‹#›</a:t>
             </a:fld>
@@ -2014,7 +2014,7 @@
     </p:spTree>
     <p:extLst>
       <p:ext uri="{BB962C8B-B14F-4D97-AF65-F5344CB8AC3E}">
-        <p14:creationId xmlns:p14="http://schemas.microsoft.com/office/powerpoint/2010/main" val="1039217675"/>
+        <p14:creationId xmlns:p14="http://schemas.microsoft.com/office/powerpoint/2010/main" val="1182793477"/>
       </p:ext>
     </p:extLst>
   </p:cSld>
@@ -2046,7 +2046,7 @@
           <p:cNvPr id="2" name="日期占位符 1">
             <a:extLst>
               <a:ext uri="{FF2B5EF4-FFF2-40B4-BE49-F238E27FC236}">
-                <a16:creationId xmlns:a16="http://schemas.microsoft.com/office/drawing/2014/main" id="{331986D9-F57E-0F51-B049-930A83D5AACE}"/>
+                <a16:creationId xmlns:a16="http://schemas.microsoft.com/office/drawing/2014/main" id="{D7A1CD36-EBC2-07DA-B14E-C829FB1853EF}"/>
               </a:ext>
             </a:extLst>
           </p:cNvPr>
@@ -2062,7 +2062,7 @@
           <a:bodyPr/>
           <a:lstStyle/>
           <a:p>
-            <a:fld id="{4518C6A9-0B59-483F-8A88-DAF46614C81C}" type="datetimeFigureOut">
+            <a:fld id="{901CF3F0-1651-4F53-A110-97524048F441}" type="datetimeFigureOut">
               <a:rPr lang="zh-CN" altLang="en-US" smtClean="0"/>
               <a:t>2024/3/10</a:t>
             </a:fld>
@@ -2075,7 +2075,7 @@
           <p:cNvPr id="3" name="页脚占位符 2">
             <a:extLst>
               <a:ext uri="{FF2B5EF4-FFF2-40B4-BE49-F238E27FC236}">
-                <a16:creationId xmlns:a16="http://schemas.microsoft.com/office/drawing/2014/main" id="{A82AD86D-0993-90AD-33B1-A9A27978F2C0}"/>
+                <a16:creationId xmlns:a16="http://schemas.microsoft.com/office/drawing/2014/main" id="{A5A45A87-E763-E85A-3978-7D7D0503C6A7}"/>
               </a:ext>
             </a:extLst>
           </p:cNvPr>
@@ -2100,7 +2100,7 @@
           <p:cNvPr id="4" name="灯片编号占位符 3">
             <a:extLst>
               <a:ext uri="{FF2B5EF4-FFF2-40B4-BE49-F238E27FC236}">
-                <a16:creationId xmlns:a16="http://schemas.microsoft.com/office/drawing/2014/main" id="{0A446CAC-627A-A3BA-35D2-86526AC7E144}"/>
+                <a16:creationId xmlns:a16="http://schemas.microsoft.com/office/drawing/2014/main" id="{F91BF81E-2072-E77A-CEA6-261D70CE4C7B}"/>
               </a:ext>
             </a:extLst>
           </p:cNvPr>
@@ -2116,7 +2116,7 @@
           <a:bodyPr/>
           <a:lstStyle/>
           <a:p>
-            <a:fld id="{7EAB6F6E-60D5-43C6-B9C4-36B90793231A}" type="slidenum">
+            <a:fld id="{C6BC89DB-E0EE-4096-B8F5-1185284914F9}" type="slidenum">
               <a:rPr lang="zh-CN" altLang="en-US" smtClean="0"/>
               <a:t>‹#›</a:t>
             </a:fld>
@@ -2127,7 +2127,7 @@
     </p:spTree>
     <p:extLst>
       <p:ext uri="{BB962C8B-B14F-4D97-AF65-F5344CB8AC3E}">
-        <p14:creationId xmlns:p14="http://schemas.microsoft.com/office/powerpoint/2010/main" val="3138432320"/>
+        <p14:creationId xmlns:p14="http://schemas.microsoft.com/office/powerpoint/2010/main" val="1729991157"/>
       </p:ext>
     </p:extLst>
   </p:cSld>
@@ -2159,7 +2159,7 @@
           <p:cNvPr id="2" name="标题 1">
             <a:extLst>
               <a:ext uri="{FF2B5EF4-FFF2-40B4-BE49-F238E27FC236}">
-                <a16:creationId xmlns:a16="http://schemas.microsoft.com/office/drawing/2014/main" id="{CD16BC52-A3A1-2E0F-B413-0EDABDB4949D}"/>
+                <a16:creationId xmlns:a16="http://schemas.microsoft.com/office/drawing/2014/main" id="{B88B286F-66A2-9118-0274-F8CDA92BAAAF}"/>
               </a:ext>
             </a:extLst>
           </p:cNvPr>
@@ -2196,7 +2196,7 @@
           <p:cNvPr id="3" name="内容占位符 2">
             <a:extLst>
               <a:ext uri="{FF2B5EF4-FFF2-40B4-BE49-F238E27FC236}">
-                <a16:creationId xmlns:a16="http://schemas.microsoft.com/office/drawing/2014/main" id="{3D4BFD8E-453B-D048-F965-DE3503D021FB}"/>
+                <a16:creationId xmlns:a16="http://schemas.microsoft.com/office/drawing/2014/main" id="{91F5C2AF-67CC-BDA5-54FB-C716728FBCD3}"/>
               </a:ext>
             </a:extLst>
           </p:cNvPr>
@@ -2286,7 +2286,7 @@
           <p:cNvPr id="4" name="文本占位符 3">
             <a:extLst>
               <a:ext uri="{FF2B5EF4-FFF2-40B4-BE49-F238E27FC236}">
-                <a16:creationId xmlns:a16="http://schemas.microsoft.com/office/drawing/2014/main" id="{0BD7CCDC-C065-F36E-9586-3568EE96A0C6}"/>
+                <a16:creationId xmlns:a16="http://schemas.microsoft.com/office/drawing/2014/main" id="{121D89F8-BE76-BDED-296C-CD7873E98004}"/>
               </a:ext>
             </a:extLst>
           </p:cNvPr>
@@ -2357,7 +2357,7 @@
           <p:cNvPr id="5" name="日期占位符 4">
             <a:extLst>
               <a:ext uri="{FF2B5EF4-FFF2-40B4-BE49-F238E27FC236}">
-                <a16:creationId xmlns:a16="http://schemas.microsoft.com/office/drawing/2014/main" id="{B2CAB348-F9A5-0759-12E7-B3ED5A0E3DA1}"/>
+                <a16:creationId xmlns:a16="http://schemas.microsoft.com/office/drawing/2014/main" id="{9FCF602E-EAE3-7D69-FCAA-79725C6BFF65}"/>
               </a:ext>
             </a:extLst>
           </p:cNvPr>
@@ -2373,7 +2373,7 @@
           <a:bodyPr/>
           <a:lstStyle/>
           <a:p>
-            <a:fld id="{4518C6A9-0B59-483F-8A88-DAF46614C81C}" type="datetimeFigureOut">
+            <a:fld id="{901CF3F0-1651-4F53-A110-97524048F441}" type="datetimeFigureOut">
               <a:rPr lang="zh-CN" altLang="en-US" smtClean="0"/>
               <a:t>2024/3/10</a:t>
             </a:fld>
@@ -2386,7 +2386,7 @@
           <p:cNvPr id="6" name="页脚占位符 5">
             <a:extLst>
               <a:ext uri="{FF2B5EF4-FFF2-40B4-BE49-F238E27FC236}">
-                <a16:creationId xmlns:a16="http://schemas.microsoft.com/office/drawing/2014/main" id="{827BF42D-1D9B-FCCF-EBA9-018F38A5B14C}"/>
+                <a16:creationId xmlns:a16="http://schemas.microsoft.com/office/drawing/2014/main" id="{D5F035D3-DF2B-258A-29F3-5D13FD9BEA4F}"/>
               </a:ext>
             </a:extLst>
           </p:cNvPr>
@@ -2411,7 +2411,7 @@
           <p:cNvPr id="7" name="灯片编号占位符 6">
             <a:extLst>
               <a:ext uri="{FF2B5EF4-FFF2-40B4-BE49-F238E27FC236}">
-                <a16:creationId xmlns:a16="http://schemas.microsoft.com/office/drawing/2014/main" id="{C98DB70D-D483-22DB-ECE7-7C010360B00F}"/>
+                <a16:creationId xmlns:a16="http://schemas.microsoft.com/office/drawing/2014/main" id="{D57E51C8-D467-F698-F676-6C02380A2521}"/>
               </a:ext>
             </a:extLst>
           </p:cNvPr>
@@ -2427,7 +2427,7 @@
           <a:bodyPr/>
           <a:lstStyle/>
           <a:p>
-            <a:fld id="{7EAB6F6E-60D5-43C6-B9C4-36B90793231A}" type="slidenum">
+            <a:fld id="{C6BC89DB-E0EE-4096-B8F5-1185284914F9}" type="slidenum">
               <a:rPr lang="zh-CN" altLang="en-US" smtClean="0"/>
               <a:t>‹#›</a:t>
             </a:fld>
@@ -2438,7 +2438,7 @@
     </p:spTree>
     <p:extLst>
       <p:ext uri="{BB962C8B-B14F-4D97-AF65-F5344CB8AC3E}">
-        <p14:creationId xmlns:p14="http://schemas.microsoft.com/office/powerpoint/2010/main" val="3155090701"/>
+        <p14:creationId xmlns:p14="http://schemas.microsoft.com/office/powerpoint/2010/main" val="356877928"/>
       </p:ext>
     </p:extLst>
   </p:cSld>
@@ -2470,7 +2470,7 @@
           <p:cNvPr id="2" name="标题 1">
             <a:extLst>
               <a:ext uri="{FF2B5EF4-FFF2-40B4-BE49-F238E27FC236}">
-                <a16:creationId xmlns:a16="http://schemas.microsoft.com/office/drawing/2014/main" id="{704FAA2C-D219-73B7-16EA-CECAD0F24AA5}"/>
+                <a16:creationId xmlns:a16="http://schemas.microsoft.com/office/drawing/2014/main" id="{DACE2E4F-506C-EABA-F944-17A6D239EA99}"/>
               </a:ext>
             </a:extLst>
           </p:cNvPr>
@@ -2507,7 +2507,7 @@
           <p:cNvPr id="3" name="图片占位符 2">
             <a:extLst>
               <a:ext uri="{FF2B5EF4-FFF2-40B4-BE49-F238E27FC236}">
-                <a16:creationId xmlns:a16="http://schemas.microsoft.com/office/drawing/2014/main" id="{39F04FB1-366F-7BE0-FEFC-C13B183574C1}"/>
+                <a16:creationId xmlns:a16="http://schemas.microsoft.com/office/drawing/2014/main" id="{760496E7-1C0A-8C15-FAF7-760C4E393336}"/>
               </a:ext>
             </a:extLst>
           </p:cNvPr>
@@ -2574,7 +2574,7 @@
           <p:cNvPr id="4" name="文本占位符 3">
             <a:extLst>
               <a:ext uri="{FF2B5EF4-FFF2-40B4-BE49-F238E27FC236}">
-                <a16:creationId xmlns:a16="http://schemas.microsoft.com/office/drawing/2014/main" id="{47E8667B-8071-1A47-ABAC-0A3F76E807FD}"/>
+                <a16:creationId xmlns:a16="http://schemas.microsoft.com/office/drawing/2014/main" id="{F5AEA1EF-14F1-1D06-631F-03DDE0DD2DCA}"/>
               </a:ext>
             </a:extLst>
           </p:cNvPr>
@@ -2645,7 +2645,7 @@
           <p:cNvPr id="5" name="日期占位符 4">
             <a:extLst>
               <a:ext uri="{FF2B5EF4-FFF2-40B4-BE49-F238E27FC236}">
-                <a16:creationId xmlns:a16="http://schemas.microsoft.com/office/drawing/2014/main" id="{CA1E4E28-36F6-8D40-7BC2-A191B20F7910}"/>
+                <a16:creationId xmlns:a16="http://schemas.microsoft.com/office/drawing/2014/main" id="{78BD55D7-6BCB-4498-5A34-AE20A5A24918}"/>
               </a:ext>
             </a:extLst>
           </p:cNvPr>
@@ -2661,7 +2661,7 @@
           <a:bodyPr/>
           <a:lstStyle/>
           <a:p>
-            <a:fld id="{4518C6A9-0B59-483F-8A88-DAF46614C81C}" type="datetimeFigureOut">
+            <a:fld id="{901CF3F0-1651-4F53-A110-97524048F441}" type="datetimeFigureOut">
               <a:rPr lang="zh-CN" altLang="en-US" smtClean="0"/>
               <a:t>2024/3/10</a:t>
             </a:fld>
@@ -2674,7 +2674,7 @@
           <p:cNvPr id="6" name="页脚占位符 5">
             <a:extLst>
               <a:ext uri="{FF2B5EF4-FFF2-40B4-BE49-F238E27FC236}">
-                <a16:creationId xmlns:a16="http://schemas.microsoft.com/office/drawing/2014/main" id="{E5943F25-DD7D-7918-2120-EC239AD74F0E}"/>
+                <a16:creationId xmlns:a16="http://schemas.microsoft.com/office/drawing/2014/main" id="{52DD6DFD-4832-C3D7-5FBB-FB7BD73A8173}"/>
               </a:ext>
             </a:extLst>
           </p:cNvPr>
@@ -2699,7 +2699,7 @@
           <p:cNvPr id="7" name="灯片编号占位符 6">
             <a:extLst>
               <a:ext uri="{FF2B5EF4-FFF2-40B4-BE49-F238E27FC236}">
-                <a16:creationId xmlns:a16="http://schemas.microsoft.com/office/drawing/2014/main" id="{8334EC60-A88F-6B2A-165D-36E85B886A97}"/>
+                <a16:creationId xmlns:a16="http://schemas.microsoft.com/office/drawing/2014/main" id="{BFE75450-51F9-428A-E9EA-504EC0E72D94}"/>
               </a:ext>
             </a:extLst>
           </p:cNvPr>
@@ -2715,7 +2715,7 @@
           <a:bodyPr/>
           <a:lstStyle/>
           <a:p>
-            <a:fld id="{7EAB6F6E-60D5-43C6-B9C4-36B90793231A}" type="slidenum">
+            <a:fld id="{C6BC89DB-E0EE-4096-B8F5-1185284914F9}" type="slidenum">
               <a:rPr lang="zh-CN" altLang="en-US" smtClean="0"/>
               <a:t>‹#›</a:t>
             </a:fld>
@@ -2726,7 +2726,7 @@
     </p:spTree>
     <p:extLst>
       <p:ext uri="{BB962C8B-B14F-4D97-AF65-F5344CB8AC3E}">
-        <p14:creationId xmlns:p14="http://schemas.microsoft.com/office/powerpoint/2010/main" val="2620891445"/>
+        <p14:creationId xmlns:p14="http://schemas.microsoft.com/office/powerpoint/2010/main" val="1799624084"/>
       </p:ext>
     </p:extLst>
   </p:cSld>
@@ -2763,7 +2763,7 @@
           <p:cNvPr id="2" name="标题占位符 1">
             <a:extLst>
               <a:ext uri="{FF2B5EF4-FFF2-40B4-BE49-F238E27FC236}">
-                <a16:creationId xmlns:a16="http://schemas.microsoft.com/office/drawing/2014/main" id="{760404A2-C7E6-0896-F779-1188C0EE101A}"/>
+                <a16:creationId xmlns:a16="http://schemas.microsoft.com/office/drawing/2014/main" id="{AFEF8196-067E-D8AC-0A50-DC054EA37670}"/>
               </a:ext>
             </a:extLst>
           </p:cNvPr>
@@ -2801,7 +2801,7 @@
           <p:cNvPr id="3" name="文本占位符 2">
             <a:extLst>
               <a:ext uri="{FF2B5EF4-FFF2-40B4-BE49-F238E27FC236}">
-                <a16:creationId xmlns:a16="http://schemas.microsoft.com/office/drawing/2014/main" id="{2C32127A-1FC9-73F6-6194-C865B5EB5069}"/>
+                <a16:creationId xmlns:a16="http://schemas.microsoft.com/office/drawing/2014/main" id="{5600427D-1D57-E8CD-16CE-5B1AD0ABA464}"/>
               </a:ext>
             </a:extLst>
           </p:cNvPr>
@@ -2868,7 +2868,7 @@
           <p:cNvPr id="4" name="日期占位符 3">
             <a:extLst>
               <a:ext uri="{FF2B5EF4-FFF2-40B4-BE49-F238E27FC236}">
-                <a16:creationId xmlns:a16="http://schemas.microsoft.com/office/drawing/2014/main" id="{3DA6BCB5-FF53-3910-A839-7445A9E940C9}"/>
+                <a16:creationId xmlns:a16="http://schemas.microsoft.com/office/drawing/2014/main" id="{5ADE00DC-2142-DAA7-CF6A-EAA5B7A95402}"/>
               </a:ext>
             </a:extLst>
           </p:cNvPr>
@@ -2902,7 +2902,7 @@
             </a:lvl1pPr>
           </a:lstStyle>
           <a:p>
-            <a:fld id="{4518C6A9-0B59-483F-8A88-DAF46614C81C}" type="datetimeFigureOut">
+            <a:fld id="{901CF3F0-1651-4F53-A110-97524048F441}" type="datetimeFigureOut">
               <a:rPr lang="zh-CN" altLang="en-US" smtClean="0"/>
               <a:t>2024/3/10</a:t>
             </a:fld>
@@ -2915,7 +2915,7 @@
           <p:cNvPr id="5" name="页脚占位符 4">
             <a:extLst>
               <a:ext uri="{FF2B5EF4-FFF2-40B4-BE49-F238E27FC236}">
-                <a16:creationId xmlns:a16="http://schemas.microsoft.com/office/drawing/2014/main" id="{4899DFE1-8C02-28FC-20D3-20ECEA7D9E76}"/>
+                <a16:creationId xmlns:a16="http://schemas.microsoft.com/office/drawing/2014/main" id="{D7EBF090-CAD3-BE1B-D6CA-4FA053A8F4E1}"/>
               </a:ext>
             </a:extLst>
           </p:cNvPr>
@@ -2958,7 +2958,7 @@
           <p:cNvPr id="6" name="灯片编号占位符 5">
             <a:extLst>
               <a:ext uri="{FF2B5EF4-FFF2-40B4-BE49-F238E27FC236}">
-                <a16:creationId xmlns:a16="http://schemas.microsoft.com/office/drawing/2014/main" id="{7CC08F91-ECBD-7D55-DA35-C87457B7DACD}"/>
+                <a16:creationId xmlns:a16="http://schemas.microsoft.com/office/drawing/2014/main" id="{0CB6DCC3-8553-C49A-D6FE-F4CCD00BBE65}"/>
               </a:ext>
             </a:extLst>
           </p:cNvPr>
@@ -2992,7 +2992,7 @@
             </a:lvl1pPr>
           </a:lstStyle>
           <a:p>
-            <a:fld id="{7EAB6F6E-60D5-43C6-B9C4-36B90793231A}" type="slidenum">
+            <a:fld id="{C6BC89DB-E0EE-4096-B8F5-1185284914F9}" type="slidenum">
               <a:rPr lang="zh-CN" altLang="en-US" smtClean="0"/>
               <a:t>‹#›</a:t>
             </a:fld>
@@ -3003,7 +3003,7 @@
     </p:spTree>
     <p:extLst>
       <p:ext uri="{BB962C8B-B14F-4D97-AF65-F5344CB8AC3E}">
-        <p14:creationId xmlns:p14="http://schemas.microsoft.com/office/powerpoint/2010/main" val="2772884082"/>
+        <p14:creationId xmlns:p14="http://schemas.microsoft.com/office/powerpoint/2010/main" val="3235983478"/>
       </p:ext>
     </p:extLst>
   </p:cSld>
@@ -3323,7 +3323,7 @@
       </p:grpSpPr>
       <p:pic>
         <p:nvPicPr>
-          <p:cNvPr id="688130" name="Picture 2" descr="671"/>
+          <p:cNvPr id="689154" name="Picture 2" descr="672"/>
           <p:cNvPicPr>
             <a:picLocks noChangeAspect="1" noChangeArrowheads="1"/>
           </p:cNvPicPr>
@@ -3344,8 +3344,8 @@
         </p:blipFill>
         <p:spPr bwMode="auto">
           <a:xfrm>
-            <a:off x="1524000" y="1"/>
-            <a:ext cx="9144000" cy="5445125"/>
+            <a:off x="1524000" y="0"/>
+            <a:ext cx="9144000" cy="6858000"/>
           </a:xfrm>
           <a:prstGeom prst="rect">
             <a:avLst/>
